--- a/Suresh_Roles_Responsibilities.pptx
+++ b/Suresh_Roles_Responsibilities.pptx
@@ -2914,7 +2914,7 @@
                 <a:latin typeface="Verdana" panose="020B0604030504040204" pitchFamily="34" charset="0"/>
                 <a:ea typeface="Verdana" panose="020B0604030504040204" pitchFamily="34" charset="0"/>
               </a:rPr>
-              <a:t>IPA Process Analyst, RPA Technical Architect </a:t>
+              <a:t>Big DATA Engineer, Data Analyst &amp; RPA Technical Architect </a:t>
             </a:r>
           </a:p>
           <a:p>
@@ -3074,7 +3074,7 @@
                 <a:latin typeface="Verdana" panose="020B0604030504040204" pitchFamily="34" charset="0"/>
                 <a:ea typeface="Verdana" panose="020B0604030504040204" pitchFamily="34" charset="0"/>
               </a:rPr>
-              <a:t>Big Data Hadoop, Yarn Map Reduce, Scala, Hive, </a:t>
+              <a:t>Big Data Hadoop, Yarn Map Reduce, Scala, Hive, Kafka</a:t>
             </a:r>
           </a:p>
           <a:p>
@@ -4658,7 +4658,7 @@
         <p:spPr>
           <a:xfrm>
             <a:off x="604433" y="1242874"/>
-            <a:ext cx="10983131" cy="5165863"/>
+            <a:ext cx="10983131" cy="5615126"/>
           </a:xfrm>
         </p:spPr>
         <p:txBody>
@@ -4676,7 +4676,7 @@
                 <a:latin typeface="Verdana" panose="020B0604030504040204" pitchFamily="34" charset="0"/>
                 <a:ea typeface="Verdana" panose="020B0604030504040204" pitchFamily="34" charset="0"/>
               </a:rPr>
-              <a:t>RPA Technologies </a:t>
+              <a:t>Big Data Eco System</a:t>
             </a:r>
           </a:p>
           <a:p>
@@ -4689,7 +4689,24 @@
                 <a:latin typeface="Verdana" panose="020B0604030504040204" pitchFamily="34" charset="0"/>
                 <a:ea typeface="Verdana" panose="020B0604030504040204" pitchFamily="34" charset="0"/>
               </a:rPr>
-              <a:t>Blue Prism (Advanced), UiPath (Beginner), Automation Anywhere (Training)</a:t>
+              <a:t>Hadoop, Yarn Map reduce, Hive, Scala</a:t>
+            </a:r>
+            <a:endParaRPr lang="en-US" sz="6700" dirty="0">
+              <a:latin typeface="Verdana" panose="020B0604030504040204" pitchFamily="34" charset="0"/>
+              <a:ea typeface="Verdana" panose="020B0604030504040204" pitchFamily="34" charset="0"/>
+            </a:endParaRPr>
+          </a:p>
+          <a:p>
+            <a:pPr lvl="1" indent="-285750" algn="just">
+              <a:buFont typeface="Wingdings" pitchFamily="2" charset="2"/>
+              <a:buChar char="Ø"/>
+            </a:pPr>
+            <a:r>
+              <a:rPr lang="en-US" sz="4300" dirty="0">
+                <a:latin typeface="Verdana" panose="020B0604030504040204" pitchFamily="34" charset="0"/>
+                <a:ea typeface="Verdana" panose="020B0604030504040204" pitchFamily="34" charset="0"/>
+              </a:rPr>
+              <a:t>Data Analyst </a:t>
             </a:r>
           </a:p>
           <a:p>
@@ -4702,7 +4719,20 @@
                 <a:latin typeface="Verdana" panose="020B0604030504040204" pitchFamily="34" charset="0"/>
                 <a:ea typeface="Verdana" panose="020B0604030504040204" pitchFamily="34" charset="0"/>
               </a:rPr>
-              <a:t>Blue Prism Certifications Developer, Solution Designer, Technical Architect, ROM Architect</a:t>
+              <a:t>Tableau Designer &amp; Data Visualization</a:t>
+            </a:r>
+          </a:p>
+          <a:p>
+            <a:pPr lvl="1" indent="-285750" algn="just">
+              <a:buFont typeface="Wingdings" pitchFamily="2" charset="2"/>
+              <a:buChar char="Ø"/>
+            </a:pPr>
+            <a:r>
+              <a:rPr lang="en-US" sz="4300" dirty="0">
+                <a:latin typeface="Verdana" panose="020B0604030504040204" pitchFamily="34" charset="0"/>
+                <a:ea typeface="Verdana" panose="020B0604030504040204" pitchFamily="34" charset="0"/>
+              </a:rPr>
+              <a:t>RPA Technologies </a:t>
             </a:r>
           </a:p>
           <a:p>
@@ -4710,6 +4740,56 @@
               <a:buFont typeface="Arial" panose="020B0604020202020204" pitchFamily="34" charset="0"/>
               <a:buChar char="•"/>
             </a:pPr>
+            <a:r>
+              <a:rPr lang="en-US" sz="4400" dirty="0">
+                <a:latin typeface="Verdana" panose="020B0604030504040204" pitchFamily="34" charset="0"/>
+                <a:ea typeface="Verdana" panose="020B0604030504040204" pitchFamily="34" charset="0"/>
+              </a:rPr>
+              <a:t>Blue Prism Certifications Developer, Solution Designer, Technical Architect, ROM Architect</a:t>
+            </a:r>
+          </a:p>
+          <a:p>
+            <a:pPr marL="1200150" lvl="2" indent="-342900" algn="just">
+              <a:buFont typeface="Arial" panose="020B0604020202020204" pitchFamily="34" charset="0"/>
+              <a:buChar char="•"/>
+            </a:pPr>
+            <a:r>
+              <a:rPr lang="en-US" sz="4400" dirty="0">
+                <a:latin typeface="Verdana" panose="020B0604030504040204" pitchFamily="34" charset="0"/>
+                <a:ea typeface="Verdana" panose="020B0604030504040204" pitchFamily="34" charset="0"/>
+              </a:rPr>
+              <a:t>Blue Prism (Advanced), UiPath (Beginner), Automation Anywhere (Training)</a:t>
+            </a:r>
+            <a:endParaRPr lang="en-US" sz="4300" dirty="0">
+              <a:latin typeface="Verdana" panose="020B0604030504040204" pitchFamily="34" charset="0"/>
+              <a:ea typeface="Verdana" panose="020B0604030504040204" pitchFamily="34" charset="0"/>
+            </a:endParaRPr>
+          </a:p>
+          <a:p>
+            <a:pPr lvl="1" indent="-285750" algn="just">
+              <a:buFont typeface="Wingdings" pitchFamily="2" charset="2"/>
+              <a:buChar char="Ø"/>
+            </a:pPr>
+            <a:r>
+              <a:rPr lang="en-US" sz="4300" dirty="0">
+                <a:latin typeface="Verdana" panose="020B0604030504040204" pitchFamily="34" charset="0"/>
+                <a:ea typeface="Verdana" panose="020B0604030504040204" pitchFamily="34" charset="0"/>
+              </a:rPr>
+              <a:t>C/C++, Java</a:t>
+            </a:r>
+          </a:p>
+          <a:p>
+            <a:pPr marL="1200150" lvl="2" indent="-342900" algn="just">
+              <a:buFont typeface="Arial" panose="020B0604020202020204" pitchFamily="34" charset="0"/>
+              <a:buChar char="•"/>
+            </a:pPr>
+            <a:r>
+              <a:rPr lang="en-US" sz="4300" dirty="0">
+                <a:latin typeface="Verdana" panose="020B0604030504040204" pitchFamily="34" charset="0"/>
+                <a:ea typeface="Verdana" panose="020B0604030504040204" pitchFamily="34" charset="0"/>
+              </a:rPr>
+              <a:t>Pro*C , C, C++, Java, Unix, Linux, Oracle PL/SQL Core Development </a:t>
+            </a:r>
             <a:endParaRPr lang="en-US" sz="4400" dirty="0">
               <a:latin typeface="Verdana" panose="020B0604030504040204" pitchFamily="34" charset="0"/>
               <a:ea typeface="Verdana" panose="020B0604030504040204" pitchFamily="34" charset="0"/>
@@ -4725,14 +4805,33 @@
                 <a:latin typeface="Verdana" panose="020B0604030504040204" pitchFamily="34" charset="0"/>
                 <a:ea typeface="Verdana" panose="020B0604030504040204" pitchFamily="34" charset="0"/>
               </a:rPr>
-              <a:t>C/C++/</a:t>
-            </a:r>
-            <a:r>
-              <a:rPr lang="en-US" sz="4300" dirty="0" err="1">
-                <a:latin typeface="Verdana" panose="020B0604030504040204" pitchFamily="34" charset="0"/>
-                <a:ea typeface="Verdana" panose="020B0604030504040204" pitchFamily="34" charset="0"/>
-              </a:rPr>
-              <a:t>C#.net</a:t>
+              <a:t>Python </a:t>
+            </a:r>
+          </a:p>
+          <a:p>
+            <a:pPr marL="1200150" lvl="2" indent="-342900" algn="just">
+              <a:buFont typeface="Arial" panose="020B0604020202020204" pitchFamily="34" charset="0"/>
+              <a:buChar char="•"/>
+            </a:pPr>
+            <a:r>
+              <a:rPr lang="en-US" sz="4400" dirty="0">
+                <a:latin typeface="Verdana" panose="020B0604030504040204" pitchFamily="34" charset="0"/>
+                <a:ea typeface="Verdana" panose="020B0604030504040204" pitchFamily="34" charset="0"/>
+              </a:rPr>
+              <a:t>Python Programming, Python API, Flask, Django, open-source Libraries/ Packages</a:t>
+            </a:r>
+          </a:p>
+          <a:p>
+            <a:pPr marL="1200150" lvl="2" indent="-342900" algn="just">
+              <a:buFont typeface="Arial" panose="020B0604020202020204" pitchFamily="34" charset="0"/>
+              <a:buChar char="•"/>
+            </a:pPr>
+            <a:r>
+              <a:rPr lang="en-US" sz="4400" dirty="0">
+                <a:latin typeface="Verdana" panose="020B0604030504040204" pitchFamily="34" charset="0"/>
+                <a:ea typeface="Verdana" panose="020B0604030504040204" pitchFamily="34" charset="0"/>
+              </a:rPr>
+              <a:t>Threading, Multiprocessing</a:t>
             </a:r>
             <a:endParaRPr lang="en-US" sz="4300" dirty="0">
               <a:latin typeface="Verdana" panose="020B0604030504040204" pitchFamily="34" charset="0"/>
@@ -4740,30 +4839,46 @@
             </a:endParaRPr>
           </a:p>
           <a:p>
+            <a:pPr lvl="1" indent="-285750" algn="just">
+              <a:buFont typeface="Wingdings" pitchFamily="2" charset="2"/>
+              <a:buChar char="Ø"/>
+            </a:pPr>
+            <a:r>
+              <a:rPr lang="en-US" sz="4300" dirty="0">
+                <a:latin typeface="Verdana" panose="020B0604030504040204" pitchFamily="34" charset="0"/>
+                <a:ea typeface="Verdana" panose="020B0604030504040204" pitchFamily="34" charset="0"/>
+              </a:rPr>
+              <a:t>Project Management</a:t>
+            </a:r>
+          </a:p>
+          <a:p>
             <a:pPr marL="1200150" lvl="2" indent="-342900" algn="just">
               <a:buFont typeface="Arial" panose="020B0604020202020204" pitchFamily="34" charset="0"/>
               <a:buChar char="•"/>
             </a:pPr>
             <a:r>
+              <a:rPr lang="en-US" sz="4400" dirty="0">
+                <a:latin typeface="Verdana" panose="020B0604030504040204" pitchFamily="34" charset="0"/>
+                <a:ea typeface="Verdana" panose="020B0604030504040204" pitchFamily="34" charset="0"/>
+              </a:rPr>
+              <a:t>Project Libre</a:t>
+            </a:r>
+            <a:endParaRPr lang="en-US" sz="5100" dirty="0">
+              <a:latin typeface="Verdana" panose="020B0604030504040204" pitchFamily="34" charset="0"/>
+              <a:ea typeface="Verdana" panose="020B0604030504040204" pitchFamily="34" charset="0"/>
+            </a:endParaRPr>
+          </a:p>
+          <a:p>
+            <a:pPr lvl="1" indent="-285750" algn="just">
+              <a:buFont typeface="Wingdings" pitchFamily="2" charset="2"/>
+              <a:buChar char="Ø"/>
+            </a:pPr>
+            <a:r>
               <a:rPr lang="en-US" sz="4300" dirty="0">
                 <a:latin typeface="Verdana" panose="020B0604030504040204" pitchFamily="34" charset="0"/>
                 <a:ea typeface="Verdana" panose="020B0604030504040204" pitchFamily="34" charset="0"/>
               </a:rPr>
-              <a:t>Pro*C , C, C++, </a:t>
-            </a:r>
-            <a:r>
-              <a:rPr lang="en-US" sz="4300" dirty="0" err="1">
-                <a:latin typeface="Verdana" panose="020B0604030504040204" pitchFamily="34" charset="0"/>
-                <a:ea typeface="Verdana" panose="020B0604030504040204" pitchFamily="34" charset="0"/>
-              </a:rPr>
-              <a:t>C#.net</a:t>
-            </a:r>
-            <a:r>
-              <a:rPr lang="en-US" sz="4300" dirty="0">
-                <a:latin typeface="Verdana" panose="020B0604030504040204" pitchFamily="34" charset="0"/>
-                <a:ea typeface="Verdana" panose="020B0604030504040204" pitchFamily="34" charset="0"/>
-              </a:rPr>
-              <a:t>, Unix, Linux, Oracle PL/SQL Core Development </a:t>
+              <a:t>Excel Client Implementations  </a:t>
             </a:r>
           </a:p>
           <a:p>
@@ -4771,22 +4886,12 @@
               <a:buFont typeface="Arial" panose="020B0604020202020204" pitchFamily="34" charset="0"/>
               <a:buChar char="•"/>
             </a:pPr>
-            <a:endParaRPr lang="en-US" sz="4400" dirty="0">
-              <a:latin typeface="Verdana" panose="020B0604030504040204" pitchFamily="34" charset="0"/>
-              <a:ea typeface="Verdana" panose="020B0604030504040204" pitchFamily="34" charset="0"/>
-            </a:endParaRPr>
-          </a:p>
-          <a:p>
-            <a:pPr lvl="1" indent="-285750" algn="just">
-              <a:buFont typeface="Wingdings" pitchFamily="2" charset="2"/>
-              <a:buChar char="Ø"/>
-            </a:pPr>
-            <a:r>
-              <a:rPr lang="en-US" sz="4300" dirty="0">
-                <a:latin typeface="Verdana" panose="020B0604030504040204" pitchFamily="34" charset="0"/>
-                <a:ea typeface="Verdana" panose="020B0604030504040204" pitchFamily="34" charset="0"/>
-              </a:rPr>
-              <a:t>Project Management</a:t>
+            <a:r>
+              <a:rPr lang="en-US" sz="4400" dirty="0">
+                <a:latin typeface="Verdana" panose="020B0604030504040204" pitchFamily="34" charset="0"/>
+                <a:ea typeface="Verdana" panose="020B0604030504040204" pitchFamily="34" charset="0"/>
+              </a:rPr>
+              <a:t>Ribbons, Macros</a:t>
             </a:r>
           </a:p>
           <a:p>
@@ -4799,23 +4904,19 @@
                 <a:latin typeface="Verdana" panose="020B0604030504040204" pitchFamily="34" charset="0"/>
                 <a:ea typeface="Verdana" panose="020B0604030504040204" pitchFamily="34" charset="0"/>
               </a:rPr>
-              <a:t>Project Libre</a:t>
-            </a:r>
+              <a:t>Import and Export </a:t>
+            </a:r>
+          </a:p>
+          <a:p>
+            <a:pPr marL="857250" lvl="2" indent="0" algn="just">
+              <a:buNone/>
+            </a:pPr>
             <a:endParaRPr lang="en-US" sz="4300" dirty="0">
               <a:latin typeface="Verdana" panose="020B0604030504040204" pitchFamily="34" charset="0"/>
               <a:ea typeface="Verdana" panose="020B0604030504040204" pitchFamily="34" charset="0"/>
             </a:endParaRPr>
           </a:p>
           <a:p>
-            <a:pPr marL="857250" lvl="2" indent="0" algn="just">
-              <a:buNone/>
-            </a:pPr>
-            <a:endParaRPr lang="en-US" sz="5100" dirty="0">
-              <a:latin typeface="Verdana" panose="020B0604030504040204" pitchFamily="34" charset="0"/>
-              <a:ea typeface="Verdana" panose="020B0604030504040204" pitchFamily="34" charset="0"/>
-            </a:endParaRPr>
-          </a:p>
-          <a:p>
             <a:pPr lvl="1" indent="-285750" algn="just">
               <a:buFont typeface="Wingdings" pitchFamily="2" charset="2"/>
               <a:buChar char="Ø"/>
@@ -4825,7 +4926,7 @@
                 <a:latin typeface="Verdana" panose="020B0604030504040204" pitchFamily="34" charset="0"/>
                 <a:ea typeface="Verdana" panose="020B0604030504040204" pitchFamily="34" charset="0"/>
               </a:rPr>
-              <a:t>Excel Client Implementations  </a:t>
+              <a:t>Repository </a:t>
             </a:r>
           </a:p>
           <a:p>
@@ -4838,7 +4939,7 @@
                 <a:latin typeface="Verdana" panose="020B0604030504040204" pitchFamily="34" charset="0"/>
                 <a:ea typeface="Verdana" panose="020B0604030504040204" pitchFamily="34" charset="0"/>
               </a:rPr>
-              <a:t>Ribbons, Macros</a:t>
+              <a:t>GIT, CVS, Harvest, PVCS, </a:t>
             </a:r>
           </a:p>
           <a:p>
@@ -4851,95 +4952,7 @@
                 <a:latin typeface="Verdana" panose="020B0604030504040204" pitchFamily="34" charset="0"/>
                 <a:ea typeface="Verdana" panose="020B0604030504040204" pitchFamily="34" charset="0"/>
               </a:rPr>
-              <a:t>Import and Export </a:t>
-            </a:r>
-          </a:p>
-          <a:p>
-            <a:pPr marL="1200150" lvl="2" indent="-342900" algn="just">
-              <a:buFont typeface="Arial" panose="020B0604020202020204" pitchFamily="34" charset="0"/>
-              <a:buChar char="•"/>
-            </a:pPr>
-            <a:endParaRPr lang="en-US" sz="4300" dirty="0">
-              <a:latin typeface="Verdana" panose="020B0604030504040204" pitchFamily="34" charset="0"/>
-              <a:ea typeface="Verdana" panose="020B0604030504040204" pitchFamily="34" charset="0"/>
-            </a:endParaRPr>
-          </a:p>
-          <a:p>
-            <a:pPr lvl="1" indent="-285750" algn="just">
-              <a:buFont typeface="Wingdings" pitchFamily="2" charset="2"/>
-              <a:buChar char="Ø"/>
-            </a:pPr>
-            <a:r>
-              <a:rPr lang="en-US" sz="4300" dirty="0">
-                <a:latin typeface="Verdana" panose="020B0604030504040204" pitchFamily="34" charset="0"/>
-                <a:ea typeface="Verdana" panose="020B0604030504040204" pitchFamily="34" charset="0"/>
-              </a:rPr>
-              <a:t>Python </a:t>
-            </a:r>
-          </a:p>
-          <a:p>
-            <a:pPr marL="1200150" lvl="2" indent="-342900" algn="just">
-              <a:buFont typeface="Arial" panose="020B0604020202020204" pitchFamily="34" charset="0"/>
-              <a:buChar char="•"/>
-            </a:pPr>
-            <a:r>
-              <a:rPr lang="en-US" sz="4400" dirty="0">
-                <a:latin typeface="Verdana" panose="020B0604030504040204" pitchFamily="34" charset="0"/>
-                <a:ea typeface="Verdana" panose="020B0604030504040204" pitchFamily="34" charset="0"/>
-              </a:rPr>
-              <a:t>Open Source Libraries/ Packages</a:t>
-            </a:r>
-          </a:p>
-          <a:p>
-            <a:pPr marL="1200150" lvl="2" indent="-342900" algn="just">
-              <a:buFont typeface="Arial" panose="020B0604020202020204" pitchFamily="34" charset="0"/>
-              <a:buChar char="•"/>
-            </a:pPr>
-            <a:r>
-              <a:rPr lang="en-US" sz="4400" dirty="0">
-                <a:latin typeface="Verdana" panose="020B0604030504040204" pitchFamily="34" charset="0"/>
-                <a:ea typeface="Verdana" panose="020B0604030504040204" pitchFamily="34" charset="0"/>
-              </a:rPr>
-              <a:t>Threading, Multiprocessing</a:t>
-            </a:r>
-          </a:p>
-          <a:p>
-            <a:pPr lvl="1" indent="-285750" algn="just">
-              <a:buFont typeface="Wingdings" pitchFamily="2" charset="2"/>
-              <a:buChar char="Ø"/>
-            </a:pPr>
-            <a:r>
-              <a:rPr lang="en-US" sz="4300" dirty="0">
-                <a:latin typeface="Verdana" panose="020B0604030504040204" pitchFamily="34" charset="0"/>
-                <a:ea typeface="Verdana" panose="020B0604030504040204" pitchFamily="34" charset="0"/>
-              </a:rPr>
-              <a:t>Repository </a:t>
-            </a:r>
-          </a:p>
-          <a:p>
-            <a:pPr marL="1200150" lvl="2" indent="-342900" algn="just">
-              <a:buFont typeface="Arial" panose="020B0604020202020204" pitchFamily="34" charset="0"/>
-              <a:buChar char="•"/>
-            </a:pPr>
-            <a:r>
-              <a:rPr lang="en-US" sz="4400" dirty="0">
-                <a:latin typeface="Verdana" panose="020B0604030504040204" pitchFamily="34" charset="0"/>
-                <a:ea typeface="Verdana" panose="020B0604030504040204" pitchFamily="34" charset="0"/>
-              </a:rPr>
-              <a:t>GIT, CVS, Harvest, PVCS, </a:t>
-            </a:r>
-          </a:p>
-          <a:p>
-            <a:pPr marL="1200150" lvl="2" indent="-342900" algn="just">
-              <a:buFont typeface="Arial" panose="020B0604020202020204" pitchFamily="34" charset="0"/>
-              <a:buChar char="•"/>
-            </a:pPr>
-            <a:r>
-              <a:rPr lang="en-US" sz="4400" dirty="0">
-                <a:latin typeface="Verdana" panose="020B0604030504040204" pitchFamily="34" charset="0"/>
-                <a:ea typeface="Verdana" panose="020B0604030504040204" pitchFamily="34" charset="0"/>
-              </a:rPr>
-              <a:t>SVN, VSS</a:t>
+              <a:t>SVN, VSS, Azure</a:t>
             </a:r>
             <a:endParaRPr lang="en-US" sz="4300" dirty="0">
               <a:latin typeface="Verdana" panose="020B0604030504040204" pitchFamily="34" charset="0"/>
@@ -5117,26 +5130,39 @@
                                   </p:childTnLst>
                                 </p:cTn>
                               </p:par>
-                            </p:childTnLst>
-                          </p:cTn>
-                        </p:par>
-                      </p:childTnLst>
-                    </p:cTn>
-                  </p:par>
-                  <p:par>
-                    <p:cTn id="11" fill="hold">
-                      <p:stCondLst>
-                        <p:cond delay="indefinite"/>
-                      </p:stCondLst>
-                      <p:childTnLst>
-                        <p:par>
-                          <p:cTn id="12" fill="hold">
-                            <p:stCondLst>
-                              <p:cond delay="0"/>
-                            </p:stCondLst>
-                            <p:childTnLst>
                               <p:par>
-                                <p:cTn id="13" presetID="1" presetClass="entr" presetSubtype="0" fill="hold" nodeType="clickEffect">
+                                <p:cTn id="11" presetID="1" presetClass="entr" presetSubtype="0" fill="hold" grpId="0" nodeType="withEffect">
+                                  <p:stCondLst>
+                                    <p:cond delay="0"/>
+                                  </p:stCondLst>
+                                  <p:childTnLst>
+                                    <p:set>
+                                      <p:cBhvr>
+                                        <p:cTn id="12" dur="1" fill="hold">
+                                          <p:stCondLst>
+                                            <p:cond delay="0"/>
+                                          </p:stCondLst>
+                                        </p:cTn>
+                                        <p:tgtEl>
+                                          <p:spTgt spid="2">
+                                            <p:txEl>
+                                              <p:pRg st="3" end="3"/>
+                                            </p:txEl>
+                                          </p:spTgt>
+                                        </p:tgtEl>
+                                        <p:attrNameLst>
+                                          <p:attrName>style.visibility</p:attrName>
+                                        </p:attrNameLst>
+                                      </p:cBhvr>
+                                      <p:to>
+                                        <p:strVal val="visible"/>
+                                      </p:to>
+                                    </p:set>
+                                  </p:childTnLst>
+                                </p:cTn>
+                              </p:par>
+                              <p:par>
+                                <p:cTn id="13" presetID="1" presetClass="entr" presetSubtype="0" fill="hold" grpId="0" nodeType="withEffect">
                                   <p:stCondLst>
                                     <p:cond delay="0"/>
                                   </p:stCondLst>
@@ -5166,26 +5192,39 @@
                                   </p:childTnLst>
                                 </p:cTn>
                               </p:par>
-                            </p:childTnLst>
-                          </p:cTn>
-                        </p:par>
-                      </p:childTnLst>
-                    </p:cTn>
-                  </p:par>
-                  <p:par>
-                    <p:cTn id="15" fill="hold">
-                      <p:stCondLst>
-                        <p:cond delay="indefinite"/>
-                      </p:stCondLst>
-                      <p:childTnLst>
-                        <p:par>
-                          <p:cTn id="16" fill="hold">
-                            <p:stCondLst>
-                              <p:cond delay="0"/>
-                            </p:stCondLst>
-                            <p:childTnLst>
                               <p:par>
-                                <p:cTn id="17" presetID="1" presetClass="entr" presetSubtype="0" fill="hold" nodeType="clickEffect">
+                                <p:cTn id="15" presetID="1" presetClass="entr" presetSubtype="0" fill="hold" grpId="0" nodeType="withEffect">
+                                  <p:stCondLst>
+                                    <p:cond delay="0"/>
+                                  </p:stCondLst>
+                                  <p:childTnLst>
+                                    <p:set>
+                                      <p:cBhvr>
+                                        <p:cTn id="16" dur="1" fill="hold">
+                                          <p:stCondLst>
+                                            <p:cond delay="0"/>
+                                          </p:stCondLst>
+                                        </p:cTn>
+                                        <p:tgtEl>
+                                          <p:spTgt spid="2">
+                                            <p:txEl>
+                                              <p:pRg st="5" end="5"/>
+                                            </p:txEl>
+                                          </p:spTgt>
+                                        </p:tgtEl>
+                                        <p:attrNameLst>
+                                          <p:attrName>style.visibility</p:attrName>
+                                        </p:attrNameLst>
+                                      </p:cBhvr>
+                                      <p:to>
+                                        <p:strVal val="visible"/>
+                                      </p:to>
+                                    </p:set>
+                                  </p:childTnLst>
+                                </p:cTn>
+                              </p:par>
+                              <p:par>
+                                <p:cTn id="17" presetID="1" presetClass="entr" presetSubtype="0" fill="hold" grpId="0" nodeType="withEffect">
                                   <p:stCondLst>
                                     <p:cond delay="0"/>
                                   </p:stCondLst>
@@ -5200,7 +5239,7 @@
                                         <p:tgtEl>
                                           <p:spTgt spid="2">
                                             <p:txEl>
-                                              <p:pRg st="5" end="5"/>
+                                              <p:pRg st="6" end="6"/>
                                             </p:txEl>
                                           </p:spTgt>
                                         </p:tgtEl>
@@ -5347,7 +5386,7 @@
                                         <p:tgtEl>
                                           <p:spTgt spid="2">
                                             <p:txEl>
-                                              <p:pRg st="10" end="10"/>
+                                              <p:pRg st="9" end="9"/>
                                             </p:txEl>
                                           </p:spTgt>
                                         </p:tgtEl>
@@ -5396,7 +5435,7 @@
                                         <p:tgtEl>
                                           <p:spTgt spid="2">
                                             <p:txEl>
-                                              <p:pRg st="11" end="11"/>
+                                              <p:pRg st="10" end="10"/>
                                             </p:txEl>
                                           </p:spTgt>
                                         </p:tgtEl>
@@ -5445,7 +5484,7 @@
                                         <p:tgtEl>
                                           <p:spTgt spid="2">
                                             <p:txEl>
-                                              <p:pRg st="12" end="12"/>
+                                              <p:pRg st="11" end="11"/>
                                             </p:txEl>
                                           </p:spTgt>
                                         </p:tgtEl>
@@ -5494,7 +5533,7 @@
                                         <p:tgtEl>
                                           <p:spTgt spid="2">
                                             <p:txEl>
-                                              <p:pRg st="14" end="14"/>
+                                              <p:pRg st="12" end="12"/>
                                             </p:txEl>
                                           </p:spTgt>
                                         </p:tgtEl>
@@ -5543,7 +5582,7 @@
                                         <p:tgtEl>
                                           <p:spTgt spid="2">
                                             <p:txEl>
-                                              <p:pRg st="15" end="15"/>
+                                              <p:pRg st="13" end="13"/>
                                             </p:txEl>
                                           </p:spTgt>
                                         </p:tgtEl>
@@ -5592,7 +5631,7 @@
                                         <p:tgtEl>
                                           <p:spTgt spid="2">
                                             <p:txEl>
-                                              <p:pRg st="16" end="16"/>
+                                              <p:pRg st="14" end="14"/>
                                             </p:txEl>
                                           </p:spTgt>
                                         </p:tgtEl>
@@ -5641,7 +5680,7 @@
                                         <p:tgtEl>
                                           <p:spTgt spid="2">
                                             <p:txEl>
-                                              <p:pRg st="17" end="17"/>
+                                              <p:pRg st="15" end="15"/>
                                             </p:txEl>
                                           </p:spTgt>
                                         </p:tgtEl>
@@ -5690,7 +5729,7 @@
                                         <p:tgtEl>
                                           <p:spTgt spid="2">
                                             <p:txEl>
-                                              <p:pRg st="18" end="18"/>
+                                              <p:pRg st="16" end="16"/>
                                             </p:txEl>
                                           </p:spTgt>
                                         </p:tgtEl>
@@ -5739,7 +5778,105 @@
                                         <p:tgtEl>
                                           <p:spTgt spid="2">
                                             <p:txEl>
+                                              <p:pRg st="18" end="18"/>
+                                            </p:txEl>
+                                          </p:spTgt>
+                                        </p:tgtEl>
+                                        <p:attrNameLst>
+                                          <p:attrName>style.visibility</p:attrName>
+                                        </p:attrNameLst>
+                                      </p:cBhvr>
+                                      <p:to>
+                                        <p:strVal val="visible"/>
+                                      </p:to>
+                                    </p:set>
+                                  </p:childTnLst>
+                                </p:cTn>
+                              </p:par>
+                            </p:childTnLst>
+                          </p:cTn>
+                        </p:par>
+                      </p:childTnLst>
+                    </p:cTn>
+                  </p:par>
+                  <p:par>
+                    <p:cTn id="63" fill="hold">
+                      <p:stCondLst>
+                        <p:cond delay="indefinite"/>
+                      </p:stCondLst>
+                      <p:childTnLst>
+                        <p:par>
+                          <p:cTn id="64" fill="hold">
+                            <p:stCondLst>
+                              <p:cond delay="0"/>
+                            </p:stCondLst>
+                            <p:childTnLst>
+                              <p:par>
+                                <p:cTn id="65" presetID="1" presetClass="entr" presetSubtype="0" fill="hold" nodeType="clickEffect">
+                                  <p:stCondLst>
+                                    <p:cond delay="0"/>
+                                  </p:stCondLst>
+                                  <p:childTnLst>
+                                    <p:set>
+                                      <p:cBhvr>
+                                        <p:cTn id="66" dur="1" fill="hold">
+                                          <p:stCondLst>
+                                            <p:cond delay="0"/>
+                                          </p:stCondLst>
+                                        </p:cTn>
+                                        <p:tgtEl>
+                                          <p:spTgt spid="2">
+                                            <p:txEl>
                                               <p:pRg st="19" end="19"/>
+                                            </p:txEl>
+                                          </p:spTgt>
+                                        </p:tgtEl>
+                                        <p:attrNameLst>
+                                          <p:attrName>style.visibility</p:attrName>
+                                        </p:attrNameLst>
+                                      </p:cBhvr>
+                                      <p:to>
+                                        <p:strVal val="visible"/>
+                                      </p:to>
+                                    </p:set>
+                                  </p:childTnLst>
+                                </p:cTn>
+                              </p:par>
+                            </p:childTnLst>
+                          </p:cTn>
+                        </p:par>
+                      </p:childTnLst>
+                    </p:cTn>
+                  </p:par>
+                  <p:par>
+                    <p:cTn id="67" fill="hold">
+                      <p:stCondLst>
+                        <p:cond delay="indefinite"/>
+                      </p:stCondLst>
+                      <p:childTnLst>
+                        <p:par>
+                          <p:cTn id="68" fill="hold">
+                            <p:stCondLst>
+                              <p:cond delay="0"/>
+                            </p:stCondLst>
+                            <p:childTnLst>
+                              <p:par>
+                                <p:cTn id="69" presetID="1" presetClass="entr" presetSubtype="0" fill="hold" nodeType="clickEffect">
+                                  <p:stCondLst>
+                                    <p:cond delay="0"/>
+                                  </p:stCondLst>
+                                  <p:childTnLst>
+                                    <p:set>
+                                      <p:cBhvr>
+                                        <p:cTn id="70" dur="1" fill="hold">
+                                          <p:stCondLst>
+                                            <p:cond delay="0"/>
+                                          </p:stCondLst>
+                                        </p:cTn>
+                                        <p:tgtEl>
+                                          <p:spTgt spid="2">
+                                            <p:txEl>
+                                              <p:pRg st="20" end="20"/>
                                             </p:txEl>
                                           </p:spTgt>
                                         </p:tgtEl>
@@ -7068,8 +7205,8 @@
         </p:nvSpPr>
         <p:spPr>
           <a:xfrm>
-            <a:off x="604433" y="1604211"/>
-            <a:ext cx="10983131" cy="4804526"/>
+            <a:off x="604433" y="1604210"/>
+            <a:ext cx="10983131" cy="4982119"/>
           </a:xfrm>
         </p:spPr>
         <p:txBody>
@@ -7153,7 +7290,7 @@
                 <a:latin typeface="Verdana" panose="020B0604030504040204" pitchFamily="34" charset="0"/>
                 <a:ea typeface="Verdana" panose="020B0604030504040204" pitchFamily="34" charset="0"/>
               </a:rPr>
-              <a:t>Delivery Lead for the Retek systems and SOX</a:t>
+              <a:t>Big Data Engineer – Technology Architect</a:t>
             </a:r>
           </a:p>
           <a:p>
@@ -7166,7 +7303,20 @@
                 <a:latin typeface="Verdana" panose="020B0604030504040204" pitchFamily="34" charset="0"/>
                 <a:ea typeface="Verdana" panose="020B0604030504040204" pitchFamily="34" charset="0"/>
               </a:rPr>
-              <a:t>RPA Delivery Lead for automations @BestBuy – Retail Client</a:t>
+              <a:t>RPA Centre of Excellence @ BestBuy – Retail Client</a:t>
+            </a:r>
+          </a:p>
+          <a:p>
+            <a:pPr marL="1200150" lvl="2" indent="-342900" algn="just">
+              <a:buFont typeface="Arial" panose="020B0604020202020204" pitchFamily="34" charset="0"/>
+              <a:buChar char="•"/>
+            </a:pPr>
+            <a:r>
+              <a:rPr lang="en-US" sz="4400" dirty="0">
+                <a:latin typeface="Verdana" panose="020B0604030504040204" pitchFamily="34" charset="0"/>
+                <a:ea typeface="Verdana" panose="020B0604030504040204" pitchFamily="34" charset="0"/>
+              </a:rPr>
+              <a:t>Delivery Lead for the Oracle Retail/Retek systems </a:t>
             </a:r>
           </a:p>
           <a:p>
@@ -7670,7 +7820,7 @@
                                         <p:tgtEl>
                                           <p:spTgt spid="2">
                                             <p:txEl>
-                                              <p:pRg st="6" end="6"/>
+                                              <p:pRg st="7" end="7"/>
                                             </p:txEl>
                                           </p:spTgt>
                                         </p:tgtEl>
@@ -7719,7 +7869,7 @@
                                         <p:tgtEl>
                                           <p:spTgt spid="2">
                                             <p:txEl>
-                                              <p:pRg st="7" end="7"/>
+                                              <p:pRg st="8" end="8"/>
                                             </p:txEl>
                                           </p:spTgt>
                                         </p:tgtEl>
@@ -7768,7 +7918,7 @@
                                         <p:tgtEl>
                                           <p:spTgt spid="2">
                                             <p:txEl>
-                                              <p:pRg st="8" end="8"/>
+                                              <p:pRg st="9" end="9"/>
                                             </p:txEl>
                                           </p:spTgt>
                                         </p:tgtEl>
@@ -7817,7 +7967,7 @@
                                         <p:tgtEl>
                                           <p:spTgt spid="2">
                                             <p:txEl>
-                                              <p:pRg st="9" end="9"/>
+                                              <p:pRg st="10" end="10"/>
                                             </p:txEl>
                                           </p:spTgt>
                                         </p:tgtEl>
@@ -7866,7 +8016,7 @@
                                         <p:tgtEl>
                                           <p:spTgt spid="2">
                                             <p:txEl>
-                                              <p:pRg st="10" end="10"/>
+                                              <p:pRg st="11" end="11"/>
                                             </p:txEl>
                                           </p:spTgt>
                                         </p:tgtEl>
@@ -7915,7 +8065,7 @@
                                         <p:tgtEl>
                                           <p:spTgt spid="2">
                                             <p:txEl>
-                                              <p:pRg st="11" end="11"/>
+                                              <p:pRg st="12" end="12"/>
                                             </p:txEl>
                                           </p:spTgt>
                                         </p:tgtEl>
@@ -7964,7 +8114,7 @@
                                         <p:tgtEl>
                                           <p:spTgt spid="2">
                                             <p:txEl>
-                                              <p:pRg st="12" end="12"/>
+                                              <p:pRg st="13" end="13"/>
                                             </p:txEl>
                                           </p:spTgt>
                                         </p:tgtEl>
@@ -8013,7 +8163,7 @@
                                         <p:tgtEl>
                                           <p:spTgt spid="2">
                                             <p:txEl>
-                                              <p:pRg st="13" end="13"/>
+                                              <p:pRg st="14" end="14"/>
                                             </p:txEl>
                                           </p:spTgt>
                                         </p:tgtEl>
@@ -8062,7 +8212,7 @@
                                         <p:tgtEl>
                                           <p:spTgt spid="2">
                                             <p:txEl>
-                                              <p:pRg st="14" end="14"/>
+                                              <p:pRg st="15" end="15"/>
                                             </p:txEl>
                                           </p:spTgt>
                                         </p:tgtEl>
@@ -8111,7 +8261,7 @@
                                         <p:tgtEl>
                                           <p:spTgt spid="2">
                                             <p:txEl>
-                                              <p:pRg st="15" end="15"/>
+                                              <p:pRg st="16" end="16"/>
                                             </p:txEl>
                                           </p:spTgt>
                                         </p:tgtEl>
@@ -8160,7 +8310,7 @@
                                         <p:tgtEl>
                                           <p:spTgt spid="2">
                                             <p:txEl>
-                                              <p:pRg st="16" end="16"/>
+                                              <p:pRg st="17" end="17"/>
                                             </p:txEl>
                                           </p:spTgt>
                                         </p:tgtEl>
@@ -8209,7 +8359,7 @@
                                         <p:tgtEl>
                                           <p:spTgt spid="2">
                                             <p:txEl>
-                                              <p:pRg st="17" end="17"/>
+                                              <p:pRg st="18" end="18"/>
                                             </p:txEl>
                                           </p:spTgt>
                                         </p:tgtEl>
@@ -8258,7 +8408,7 @@
                                         <p:tgtEl>
                                           <p:spTgt spid="2">
                                             <p:txEl>
-                                              <p:pRg st="18" end="18"/>
+                                              <p:pRg st="19" end="19"/>
                                             </p:txEl>
                                           </p:spTgt>
                                         </p:tgtEl>
@@ -8307,7 +8457,7 @@
                                         <p:tgtEl>
                                           <p:spTgt spid="2">
                                             <p:txEl>
-                                              <p:pRg st="19" end="19"/>
+                                              <p:pRg st="20" end="20"/>
                                             </p:txEl>
                                           </p:spTgt>
                                         </p:tgtEl>
@@ -8356,7 +8506,7 @@
                                         <p:tgtEl>
                                           <p:spTgt spid="2">
                                             <p:txEl>
-                                              <p:pRg st="20" end="20"/>
+                                              <p:pRg st="21" end="21"/>
                                             </p:txEl>
                                           </p:spTgt>
                                         </p:tgtEl>
@@ -8405,7 +8555,7 @@
                                         <p:tgtEl>
                                           <p:spTgt spid="2">
                                             <p:txEl>
-                                              <p:pRg st="21" end="21"/>
+                                              <p:pRg st="22" end="22"/>
                                             </p:txEl>
                                           </p:spTgt>
                                         </p:tgtEl>

--- a/Suresh_Roles_Responsibilities.pptx
+++ b/Suresh_Roles_Responsibilities.pptx
@@ -5,15 +5,16 @@
     <p:sldMasterId id="2147483648" r:id="rId4"/>
   </p:sldMasterIdLst>
   <p:notesMasterIdLst>
-    <p:notesMasterId r:id="rId11"/>
+    <p:notesMasterId r:id="rId12"/>
   </p:notesMasterIdLst>
   <p:sldIdLst>
     <p:sldId id="258" r:id="rId5"/>
-    <p:sldId id="259" r:id="rId6"/>
-    <p:sldId id="260" r:id="rId7"/>
-    <p:sldId id="261" r:id="rId8"/>
-    <p:sldId id="263" r:id="rId9"/>
-    <p:sldId id="264" r:id="rId10"/>
+    <p:sldId id="266" r:id="rId6"/>
+    <p:sldId id="259" r:id="rId7"/>
+    <p:sldId id="260" r:id="rId8"/>
+    <p:sldId id="261" r:id="rId9"/>
+    <p:sldId id="263" r:id="rId10"/>
+    <p:sldId id="264" r:id="rId11"/>
   </p:sldIdLst>
   <p:sldSz cx="12192000" cy="6858000"/>
   <p:notesSz cx="6858000" cy="9144000"/>
@@ -118,6 +119,7 @@
         <p14:section name="Welcome" id="{3374D542-6E3E-455F-9BFB-B45891911720}">
           <p14:sldIdLst>
             <p14:sldId id="258"/>
+            <p14:sldId id="266"/>
             <p14:sldId id="259"/>
             <p14:sldId id="260"/>
             <p14:sldId id="261"/>
@@ -216,7 +218,7 @@
           <a:p>
             <a:fld id="{E4C3FCC2-4E7A-4671-AA79-177CB194E449}" type="datetimeFigureOut">
               <a:rPr lang="en-US" smtClean="0"/>
-              <a:t>6/8/21</a:t>
+              <a:t>6/9/21</a:t>
             </a:fld>
             <a:endParaRPr lang="en-US"/>
           </a:p>
@@ -2189,7 +2191,7 @@
           <a:p>
             <a:fld id="{4744E560-77BF-4D1A-B6E7-CD55CE12B1B8}" type="datetimeFigureOut">
               <a:rPr lang="en-US" smtClean="0"/>
-              <a:t>6/8/21</a:t>
+              <a:t>6/9/21</a:t>
             </a:fld>
             <a:endParaRPr lang="en-US"/>
           </a:p>
@@ -2848,6 +2850,100 @@
 </file>
 
 <file path=ppt/slides/slide2.xml><?xml version="1.0" encoding="utf-8"?>
+<p:sld xmlns:a="http://schemas.openxmlformats.org/drawingml/2006/main" xmlns:r="http://schemas.openxmlformats.org/officeDocument/2006/relationships" xmlns:p="http://schemas.openxmlformats.org/presentationml/2006/main">
+  <p:cSld>
+    <p:spTree>
+      <p:nvGrpSpPr>
+        <p:cNvPr id="1" name=""/>
+        <p:cNvGrpSpPr/>
+        <p:nvPr/>
+      </p:nvGrpSpPr>
+      <p:grpSpPr>
+        <a:xfrm>
+          <a:off x="0" y="0"/>
+          <a:ext cx="0" cy="0"/>
+          <a:chOff x="0" y="0"/>
+          <a:chExt cx="0" cy="0"/>
+        </a:xfrm>
+      </p:grpSpPr>
+      <p:sp>
+        <p:nvSpPr>
+          <p:cNvPr id="3" name="Title 2">
+            <a:extLst>
+              <a:ext uri="{FF2B5EF4-FFF2-40B4-BE49-F238E27FC236}">
+                <a16:creationId xmlns:a16="http://schemas.microsoft.com/office/drawing/2014/main" id="{F6D28BFB-64F6-834E-A8D6-DC7D32AD7D35}"/>
+              </a:ext>
+            </a:extLst>
+          </p:cNvPr>
+          <p:cNvSpPr>
+            <a:spLocks noGrp="1"/>
+          </p:cNvSpPr>
+          <p:nvPr>
+            <p:ph type="title"/>
+          </p:nvPr>
+        </p:nvSpPr>
+        <p:spPr>
+          <a:xfrm>
+            <a:off x="604434" y="448628"/>
+            <a:ext cx="10983132" cy="747763"/>
+          </a:xfrm>
+        </p:spPr>
+        <p:txBody>
+          <a:bodyPr anchor="ctr">
+            <a:normAutofit/>
+          </a:bodyPr>
+          <a:lstStyle/>
+          <a:p>
+            <a:r>
+              <a:rPr lang="en-US" dirty="0"/>
+              <a:t>Career Journey</a:t>
+            </a:r>
+          </a:p>
+        </p:txBody>
+      </p:sp>
+      <p:pic>
+        <p:nvPicPr>
+          <p:cNvPr id="9" name="Content Placeholder 8" descr="A picture containing chart&#10;&#10;Description automatically generated">
+            <a:extLst>
+              <a:ext uri="{FF2B5EF4-FFF2-40B4-BE49-F238E27FC236}">
+                <a16:creationId xmlns:a16="http://schemas.microsoft.com/office/drawing/2014/main" id="{68C05D9F-13B5-E941-8F64-0852AC1400D2}"/>
+              </a:ext>
+            </a:extLst>
+          </p:cNvPr>
+          <p:cNvPicPr>
+            <a:picLocks noGrp="1" noChangeAspect="1"/>
+          </p:cNvPicPr>
+          <p:nvPr>
+            <p:ph idx="1"/>
+          </p:nvPr>
+        </p:nvPicPr>
+        <p:blipFill>
+          <a:blip r:embed="rId2"/>
+          <a:stretch>
+            <a:fillRect/>
+          </a:stretch>
+        </p:blipFill>
+        <p:spPr>
+          <a:xfrm>
+            <a:off x="932329" y="1196391"/>
+            <a:ext cx="9825318" cy="5421766"/>
+          </a:xfrm>
+        </p:spPr>
+      </p:pic>
+    </p:spTree>
+    <p:extLst>
+      <p:ext uri="{BB962C8B-B14F-4D97-AF65-F5344CB8AC3E}">
+        <p14:creationId xmlns:p14="http://schemas.microsoft.com/office/powerpoint/2010/main" val="1064325834"/>
+      </p:ext>
+    </p:extLst>
+  </p:cSld>
+  <p:clrMapOvr>
+    <a:masterClrMapping/>
+  </p:clrMapOvr>
+</p:sld>
+</file>
+
+<file path=ppt/slides/slide3.xml><?xml version="1.0" encoding="utf-8"?>
 <p:sld xmlns:a="http://schemas.openxmlformats.org/drawingml/2006/main" xmlns:r="http://schemas.openxmlformats.org/officeDocument/2006/relationships" xmlns:p="http://schemas.openxmlformats.org/presentationml/2006/main">
   <p:cSld>
     <p:spTree>
@@ -4622,7 +4718,7 @@
 </p:sld>
 </file>
 
-<file path=ppt/slides/slide3.xml><?xml version="1.0" encoding="utf-8"?>
+<file path=ppt/slides/slide4.xml><?xml version="1.0" encoding="utf-8"?>
 <p:sld xmlns:a="http://schemas.openxmlformats.org/drawingml/2006/main" xmlns:r="http://schemas.openxmlformats.org/officeDocument/2006/relationships" xmlns:p="http://schemas.openxmlformats.org/presentationml/2006/main">
   <p:cSld>
     <p:spTree>
@@ -5925,7 +6021,7 @@
 </p:sld>
 </file>
 
-<file path=ppt/slides/slide4.xml><?xml version="1.0" encoding="utf-8"?>
+<file path=ppt/slides/slide5.xml><?xml version="1.0" encoding="utf-8"?>
 <p:sld xmlns:a="http://schemas.openxmlformats.org/drawingml/2006/main" xmlns:r="http://schemas.openxmlformats.org/officeDocument/2006/relationships" xmlns:p="http://schemas.openxmlformats.org/presentationml/2006/main">
   <p:cSld>
     <p:spTree>
@@ -7170,7 +7266,7 @@
 </p:sld>
 </file>
 
-<file path=ppt/slides/slide5.xml><?xml version="1.0" encoding="utf-8"?>
+<file path=ppt/slides/slide6.xml><?xml version="1.0" encoding="utf-8"?>
 <p:sld xmlns:a="http://schemas.openxmlformats.org/drawingml/2006/main" xmlns:r="http://schemas.openxmlformats.org/officeDocument/2006/relationships" xmlns:p="http://schemas.openxmlformats.org/presentationml/2006/main">
   <p:cSld>
     <p:spTree>
@@ -8601,7 +8697,7 @@
 </p:sld>
 </file>
 
-<file path=ppt/slides/slide6.xml><?xml version="1.0" encoding="utf-8"?>
+<file path=ppt/slides/slide7.xml><?xml version="1.0" encoding="utf-8"?>
 <p:sld xmlns:a="http://schemas.openxmlformats.org/drawingml/2006/main" xmlns:r="http://schemas.openxmlformats.org/officeDocument/2006/relationships" xmlns:p="http://schemas.openxmlformats.org/presentationml/2006/main">
   <p:cSld>
     <p:spTree>
@@ -9190,12 +9286,11 @@
 </file>
 
 <file path=customXml/item1.xml><?xml version="1.0" encoding="utf-8"?>
-<?mso-contentType ?>
-<FormTemplates xmlns="http://schemas.microsoft.com/sharepoint/v3/contenttype/forms">
-  <Display>DocumentLibraryForm</Display>
-  <Edit>DocumentLibraryForm</Edit>
-  <New>DocumentLibraryForm</New>
-</FormTemplates>
+<p:properties xmlns:p="http://schemas.microsoft.com/office/2006/metadata/properties" xmlns:xsi="http://www.w3.org/2001/XMLSchema-instance" xmlns:pc="http://schemas.microsoft.com/office/infopath/2007/PartnerControls">
+  <documentManagement>
+    <MediaServiceKeyPoints xmlns="71af3243-3dd4-4a8d-8c0d-dd76da1f02a5" xsi:nil="true"/>
+  </documentManagement>
+</p:properties>
 </file>
 
 <file path=customXml/item2.xml><?xml version="1.0" encoding="utf-8"?>
@@ -9410,17 +9505,27 @@
 </file>
 
 <file path=customXml/item3.xml><?xml version="1.0" encoding="utf-8"?>
-<p:properties xmlns:p="http://schemas.microsoft.com/office/2006/metadata/properties" xmlns:xsi="http://www.w3.org/2001/XMLSchema-instance" xmlns:pc="http://schemas.microsoft.com/office/infopath/2007/PartnerControls">
-  <documentManagement>
-    <MediaServiceKeyPoints xmlns="71af3243-3dd4-4a8d-8c0d-dd76da1f02a5" xsi:nil="true"/>
-  </documentManagement>
-</p:properties>
+<?mso-contentType ?>
+<FormTemplates xmlns="http://schemas.microsoft.com/sharepoint/v3/contenttype/forms">
+  <Display>DocumentLibraryForm</Display>
+  <Edit>DocumentLibraryForm</Edit>
+  <New>DocumentLibraryForm</New>
+</FormTemplates>
 </file>
 
 <file path=customXml/itemProps1.xml><?xml version="1.0" encoding="utf-8"?>
-<ds:datastoreItem xmlns:ds="http://schemas.openxmlformats.org/officeDocument/2006/customXml" ds:itemID="{F7126FF7-C1F4-4C68-B9E0-A1BEBFA97A78}">
+<ds:datastoreItem xmlns:ds="http://schemas.openxmlformats.org/officeDocument/2006/customXml" ds:itemID="{C3774A73-0280-47B7-9E46-5069D2220801}">
   <ds:schemaRefs>
-    <ds:schemaRef ds:uri="http://schemas.microsoft.com/sharepoint/v3/contenttype/forms"/>
+    <ds:schemaRef ds:uri="http://www.w3.org/XML/1998/namespace"/>
+    <ds:schemaRef ds:uri="http://purl.org/dc/dcmitype/"/>
+    <ds:schemaRef ds:uri="http://schemas.microsoft.com/office/2006/metadata/properties"/>
+    <ds:schemaRef ds:uri="http://schemas.openxmlformats.org/package/2006/metadata/core-properties"/>
+    <ds:schemaRef ds:uri="16c05727-aa75-4e4a-9b5f-8a80a1165891"/>
+    <ds:schemaRef ds:uri="http://purl.org/dc/elements/1.1/"/>
+    <ds:schemaRef ds:uri="71af3243-3dd4-4a8d-8c0d-dd76da1f02a5"/>
+    <ds:schemaRef ds:uri="http://purl.org/dc/terms/"/>
+    <ds:schemaRef ds:uri="http://schemas.microsoft.com/office/2006/documentManagement/types"/>
+    <ds:schemaRef ds:uri="http://schemas.microsoft.com/office/infopath/2007/PartnerControls"/>
   </ds:schemaRefs>
 </ds:datastoreItem>
 </file>
@@ -9445,18 +9550,9 @@
 </file>
 
 <file path=customXml/itemProps3.xml><?xml version="1.0" encoding="utf-8"?>
-<ds:datastoreItem xmlns:ds="http://schemas.openxmlformats.org/officeDocument/2006/customXml" ds:itemID="{C3774A73-0280-47B7-9E46-5069D2220801}">
+<ds:datastoreItem xmlns:ds="http://schemas.openxmlformats.org/officeDocument/2006/customXml" ds:itemID="{F7126FF7-C1F4-4C68-B9E0-A1BEBFA97A78}">
   <ds:schemaRefs>
-    <ds:schemaRef ds:uri="http://www.w3.org/XML/1998/namespace"/>
-    <ds:schemaRef ds:uri="http://purl.org/dc/dcmitype/"/>
-    <ds:schemaRef ds:uri="http://schemas.microsoft.com/office/2006/metadata/properties"/>
-    <ds:schemaRef ds:uri="http://schemas.openxmlformats.org/package/2006/metadata/core-properties"/>
-    <ds:schemaRef ds:uri="16c05727-aa75-4e4a-9b5f-8a80a1165891"/>
-    <ds:schemaRef ds:uri="http://purl.org/dc/elements/1.1/"/>
-    <ds:schemaRef ds:uri="71af3243-3dd4-4a8d-8c0d-dd76da1f02a5"/>
-    <ds:schemaRef ds:uri="http://purl.org/dc/terms/"/>
-    <ds:schemaRef ds:uri="http://schemas.microsoft.com/office/2006/documentManagement/types"/>
-    <ds:schemaRef ds:uri="http://schemas.microsoft.com/office/infopath/2007/PartnerControls"/>
+    <ds:schemaRef ds:uri="http://schemas.microsoft.com/sharepoint/v3/contenttype/forms"/>
   </ds:schemaRefs>
 </ds:datastoreItem>
 </file>
--- a/Suresh_Roles_Responsibilities.pptx
+++ b/Suresh_Roles_Responsibilities.pptx
@@ -218,7 +218,7 @@
           <a:p>
             <a:fld id="{E4C3FCC2-4E7A-4671-AA79-177CB194E449}" type="datetimeFigureOut">
               <a:rPr lang="en-US" smtClean="0"/>
-              <a:t>6/9/21</a:t>
+              <a:t>6/10/21</a:t>
             </a:fld>
             <a:endParaRPr lang="en-US"/>
           </a:p>
@@ -2191,7 +2191,7 @@
           <a:p>
             <a:fld id="{4744E560-77BF-4D1A-B6E7-CD55CE12B1B8}" type="datetimeFigureOut">
               <a:rPr lang="en-US" smtClean="0"/>
-              <a:t>6/9/21</a:t>
+              <a:t>6/10/21</a:t>
             </a:fld>
             <a:endParaRPr lang="en-US"/>
           </a:p>
@@ -4854,7 +4854,7 @@
                 <a:latin typeface="Verdana" panose="020B0604030504040204" pitchFamily="34" charset="0"/>
                 <a:ea typeface="Verdana" panose="020B0604030504040204" pitchFamily="34" charset="0"/>
               </a:rPr>
-              <a:t>Blue Prism (Advanced), UiPath (Beginner), Automation Anywhere (Training)</a:t>
+              <a:t>Blue Prism (Advanced), UiPath (Beginner), Automation Anywhere (Trained)</a:t>
             </a:r>
             <a:endParaRPr lang="en-US" sz="4300" dirty="0">
               <a:latin typeface="Verdana" panose="020B0604030504040204" pitchFamily="34" charset="0"/>
@@ -4884,7 +4884,7 @@
                 <a:latin typeface="Verdana" panose="020B0604030504040204" pitchFamily="34" charset="0"/>
                 <a:ea typeface="Verdana" panose="020B0604030504040204" pitchFamily="34" charset="0"/>
               </a:rPr>
-              <a:t>Pro*C , C, C++, Java, Unix, Linux, Oracle PL/SQL Core Development </a:t>
+              <a:t>Pro*C , C, C++, Java, Node Js, Unix, Linux, MySQL, Oracle PL/SQL Core Development </a:t>
             </a:r>
             <a:endParaRPr lang="en-US" sz="4400" dirty="0">
               <a:latin typeface="Verdana" panose="020B0604030504040204" pitchFamily="34" charset="0"/>
@@ -6220,7 +6220,7 @@
                 <a:latin typeface="Verdana" panose="020B0604030504040204" pitchFamily="34" charset="0"/>
                 <a:ea typeface="Verdana" panose="020B0604030504040204" pitchFamily="34" charset="0"/>
               </a:rPr>
-              <a:t>RPA Blue prism, </a:t>
+              <a:t>Big Data Testing, RPA Blue prism, </a:t>
             </a:r>
             <a:r>
               <a:rPr lang="en-US" sz="3500" dirty="0" err="1">
@@ -9294,6 +9294,15 @@
 </file>
 
 <file path=customXml/item2.xml><?xml version="1.0" encoding="utf-8"?>
+<?mso-contentType ?>
+<FormTemplates xmlns="http://schemas.microsoft.com/sharepoint/v3/contenttype/forms">
+  <Display>DocumentLibraryForm</Display>
+  <Edit>DocumentLibraryForm</Edit>
+  <New>DocumentLibraryForm</New>
+</FormTemplates>
+</file>
+
+<file path=customXml/item3.xml><?xml version="1.0" encoding="utf-8"?>
 <ct:contentTypeSchema xmlns:ct="http://schemas.microsoft.com/office/2006/metadata/contentType" xmlns:ma="http://schemas.microsoft.com/office/2006/metadata/properties/metaAttributes" ct:_="" ma:_="" ma:contentTypeName="Document" ma:contentTypeID="0x01010079F111ED35F8CC479449609E8A0923A6" ma:contentTypeVersion="11" ma:contentTypeDescription="Create a new document." ma:contentTypeScope="" ma:versionID="96291512c1ee715ab617f4c07df79fc1">
   <xsd:schema xmlns:xsd="http://www.w3.org/2001/XMLSchema" xmlns:xs="http://www.w3.org/2001/XMLSchema" xmlns:p="http://schemas.microsoft.com/office/2006/metadata/properties" xmlns:ns2="71af3243-3dd4-4a8d-8c0d-dd76da1f02a5" xmlns:ns3="16c05727-aa75-4e4a-9b5f-8a80a1165891" targetNamespace="http://schemas.microsoft.com/office/2006/metadata/properties" ma:root="true" ma:fieldsID="8256c27c40ca5c40ce1cf6c44f0205df" ns2:_="" ns3:_="">
     <xsd:import namespace="71af3243-3dd4-4a8d-8c0d-dd76da1f02a5"/>
@@ -9504,15 +9513,6 @@
 </ct:contentTypeSchema>
 </file>
 
-<file path=customXml/item3.xml><?xml version="1.0" encoding="utf-8"?>
-<?mso-contentType ?>
-<FormTemplates xmlns="http://schemas.microsoft.com/sharepoint/v3/contenttype/forms">
-  <Display>DocumentLibraryForm</Display>
-  <Edit>DocumentLibraryForm</Edit>
-  <New>DocumentLibraryForm</New>
-</FormTemplates>
-</file>
-
 <file path=customXml/itemProps1.xml><?xml version="1.0" encoding="utf-8"?>
 <ds:datastoreItem xmlns:ds="http://schemas.openxmlformats.org/officeDocument/2006/customXml" ds:itemID="{C3774A73-0280-47B7-9E46-5069D2220801}">
   <ds:schemaRefs>
@@ -9531,6 +9531,14 @@
 </file>
 
 <file path=customXml/itemProps2.xml><?xml version="1.0" encoding="utf-8"?>
+<ds:datastoreItem xmlns:ds="http://schemas.openxmlformats.org/officeDocument/2006/customXml" ds:itemID="{F7126FF7-C1F4-4C68-B9E0-A1BEBFA97A78}">
+  <ds:schemaRefs>
+    <ds:schemaRef ds:uri="http://schemas.microsoft.com/sharepoint/v3/contenttype/forms"/>
+  </ds:schemaRefs>
+</ds:datastoreItem>
+</file>
+
+<file path=customXml/itemProps3.xml><?xml version="1.0" encoding="utf-8"?>
 <ds:datastoreItem xmlns:ds="http://schemas.openxmlformats.org/officeDocument/2006/customXml" ds:itemID="{406286C1-23B0-486D-BA90-391FEFBD898C}">
   <ds:schemaRefs>
     <ds:schemaRef ds:uri="http://schemas.microsoft.com/office/2006/metadata/contentType"/>
@@ -9547,12 +9555,4 @@
     <ds:schemaRef ds:uri="http://schemas.microsoft.com/internal/obd"/>
   </ds:schemaRefs>
 </ds:datastoreItem>
-</file>
-
-<file path=customXml/itemProps3.xml><?xml version="1.0" encoding="utf-8"?>
-<ds:datastoreItem xmlns:ds="http://schemas.openxmlformats.org/officeDocument/2006/customXml" ds:itemID="{F7126FF7-C1F4-4C68-B9E0-A1BEBFA97A78}">
-  <ds:schemaRefs>
-    <ds:schemaRef ds:uri="http://schemas.microsoft.com/sharepoint/v3/contenttype/forms"/>
-  </ds:schemaRefs>
-</ds:datastoreItem>
 </file>